--- a/Pervasive_presentation_final.pptx
+++ b/Pervasive_presentation_final.pptx
@@ -18,9 +18,10 @@
     <p:sldId id="283" r:id="rId12"/>
     <p:sldId id="285" r:id="rId13"/>
     <p:sldId id="284" r:id="rId14"/>
-    <p:sldId id="286" r:id="rId15"/>
-    <p:sldId id="287" r:id="rId16"/>
-    <p:sldId id="288" r:id="rId17"/>
+    <p:sldId id="287" r:id="rId15"/>
+    <p:sldId id="289" r:id="rId16"/>
+    <p:sldId id="286" r:id="rId17"/>
+    <p:sldId id="288" r:id="rId18"/>
   </p:sldIdLst>
   <p:sldSz cx="12192000" cy="6858000"/>
   <p:notesSz cx="6858000" cy="9144000"/>
@@ -10753,7 +10754,12 @@
             <p:ph idx="1"/>
           </p:nvPr>
         </p:nvSpPr>
-        <p:spPr/>
+        <p:spPr>
+          <a:xfrm>
+            <a:off x="1103312" y="2052918"/>
+            <a:ext cx="10336848" cy="4368202"/>
+          </a:xfrm>
+        </p:spPr>
         <p:txBody>
           <a:bodyPr/>
           <a:lstStyle/>
@@ -10854,7 +10860,7 @@
           <a:p>
             <a:r>
               <a:rPr lang="en-US" dirty="0"/>
-              <a:t>Experiments: initial conditions</a:t>
+              <a:t>Experiments</a:t>
             </a:r>
             <a:endParaRPr lang="it-IT" dirty="0"/>
           </a:p>
@@ -10977,7 +10983,7 @@
             <a:pPr algn="just"/>
             <a:r>
               <a:rPr lang="en-US" sz="2800" dirty="0"/>
-              <a:t>We used two fans with a different </a:t>
+              <a:t>We used two fans with a different diameter</a:t>
             </a:r>
           </a:p>
           <a:p>
@@ -11081,12 +11087,14 @@
         </p:nvSpPr>
         <p:spPr>
           <a:xfrm>
-            <a:off x="7364996" y="1656678"/>
-            <a:ext cx="4664446" cy="4256442"/>
+            <a:off x="416560" y="1250120"/>
+            <a:ext cx="9286240" cy="2178879"/>
           </a:xfrm>
         </p:spPr>
         <p:txBody>
-          <a:bodyPr/>
+          <a:bodyPr>
+            <a:normAutofit lnSpcReduction="10000"/>
+          </a:bodyPr>
           <a:lstStyle/>
           <a:p>
             <a:pPr algn="just"/>
@@ -11108,6 +11116,274 @@
               <a:rPr lang="en-US" sz="2800" dirty="0"/>
               <a:t>We taped a magnet on a blade of the fan</a:t>
             </a:r>
+          </a:p>
+          <a:p>
+            <a:pPr algn="just"/>
+            <a:r>
+              <a:rPr lang="en-US" sz="2800" dirty="0"/>
+              <a:t>We broke one of the fan supports</a:t>
+            </a:r>
+          </a:p>
+        </p:txBody>
+      </p:sp>
+      <p:pic>
+        <p:nvPicPr>
+          <p:cNvPr id="9" name="Immagine 8">
+            <a:extLst>
+              <a:ext uri="{FF2B5EF4-FFF2-40B4-BE49-F238E27FC236}">
+                <a16:creationId xmlns:a16="http://schemas.microsoft.com/office/drawing/2014/main" id="{7FDADCD9-1603-4832-8C93-79E26E6E1D0D}"/>
+              </a:ext>
+            </a:extLst>
+          </p:cNvPr>
+          <p:cNvPicPr>
+            <a:picLocks noChangeAspect="1"/>
+          </p:cNvPicPr>
+          <p:nvPr/>
+        </p:nvPicPr>
+        <p:blipFill rotWithShape="1">
+          <a:blip r:embed="rId2">
+            <a:extLst>
+              <a:ext uri="{28A0092B-C50C-407E-A947-70E740481C1C}">
+                <a14:useLocalDpi xmlns:a14="http://schemas.microsoft.com/office/drawing/2010/main" val="0"/>
+              </a:ext>
+            </a:extLst>
+          </a:blip>
+          <a:srcRect t="16000" b="25778"/>
+          <a:stretch/>
+        </p:blipFill>
+        <p:spPr>
+          <a:xfrm>
+            <a:off x="416560" y="3525521"/>
+            <a:ext cx="3007362" cy="3116266"/>
+          </a:xfrm>
+          <a:prstGeom prst="rect">
+            <a:avLst/>
+          </a:prstGeom>
+        </p:spPr>
+      </p:pic>
+      <p:pic>
+        <p:nvPicPr>
+          <p:cNvPr id="11" name="Immagine 10">
+            <a:extLst>
+              <a:ext uri="{FF2B5EF4-FFF2-40B4-BE49-F238E27FC236}">
+                <a16:creationId xmlns:a16="http://schemas.microsoft.com/office/drawing/2014/main" id="{1DD92DFA-D224-4FAD-934E-5AC1C3B4E910}"/>
+              </a:ext>
+            </a:extLst>
+          </p:cNvPr>
+          <p:cNvPicPr>
+            <a:picLocks noChangeAspect="1"/>
+          </p:cNvPicPr>
+          <p:nvPr/>
+        </p:nvPicPr>
+        <p:blipFill rotWithShape="1">
+          <a:blip r:embed="rId3">
+            <a:extLst>
+              <a:ext uri="{28A0092B-C50C-407E-A947-70E740481C1C}">
+                <a14:useLocalDpi xmlns:a14="http://schemas.microsoft.com/office/drawing/2010/main" val="0"/>
+              </a:ext>
+            </a:extLst>
+          </a:blip>
+          <a:srcRect t="27023" b="41333"/>
+          <a:stretch/>
+        </p:blipFill>
+        <p:spPr>
+          <a:xfrm>
+            <a:off x="6993811" y="4005969"/>
+            <a:ext cx="3853339" cy="2170112"/>
+          </a:xfrm>
+          <a:prstGeom prst="rect">
+            <a:avLst/>
+          </a:prstGeom>
+        </p:spPr>
+      </p:pic>
+      <p:pic>
+        <p:nvPicPr>
+          <p:cNvPr id="13" name="Immagine 12">
+            <a:extLst>
+              <a:ext uri="{FF2B5EF4-FFF2-40B4-BE49-F238E27FC236}">
+                <a16:creationId xmlns:a16="http://schemas.microsoft.com/office/drawing/2014/main" id="{51EA30D7-81B6-4C73-BB1C-863F0BB2F976}"/>
+              </a:ext>
+            </a:extLst>
+          </p:cNvPr>
+          <p:cNvPicPr>
+            <a:picLocks noChangeAspect="1"/>
+          </p:cNvPicPr>
+          <p:nvPr/>
+        </p:nvPicPr>
+        <p:blipFill rotWithShape="1">
+          <a:blip r:embed="rId4">
+            <a:extLst>
+              <a:ext uri="{28A0092B-C50C-407E-A947-70E740481C1C}">
+                <a14:useLocalDpi xmlns:a14="http://schemas.microsoft.com/office/drawing/2010/main" val="0"/>
+              </a:ext>
+            </a:extLst>
+          </a:blip>
+          <a:srcRect t="10051" b="27023"/>
+          <a:stretch/>
+        </p:blipFill>
+        <p:spPr>
+          <a:xfrm>
+            <a:off x="3730388" y="3499006"/>
+            <a:ext cx="2730340" cy="3057782"/>
+          </a:xfrm>
+          <a:prstGeom prst="rect">
+            <a:avLst/>
+          </a:prstGeom>
+        </p:spPr>
+      </p:pic>
+      <p:sp>
+        <p:nvSpPr>
+          <p:cNvPr id="14" name="Ovale 13">
+            <a:extLst>
+              <a:ext uri="{FF2B5EF4-FFF2-40B4-BE49-F238E27FC236}">
+                <a16:creationId xmlns:a16="http://schemas.microsoft.com/office/drawing/2014/main" id="{FEE93CFE-E229-4C8F-9C70-0528564C08C5}"/>
+              </a:ext>
+            </a:extLst>
+          </p:cNvPr>
+          <p:cNvSpPr/>
+          <p:nvPr/>
+        </p:nvSpPr>
+        <p:spPr>
+          <a:xfrm>
+            <a:off x="2088196" y="4083207"/>
+            <a:ext cx="1234124" cy="1234124"/>
+          </a:xfrm>
+          <a:prstGeom prst="ellipse">
+            <a:avLst/>
+          </a:prstGeom>
+          <a:noFill/>
+          <a:ln w="76200">
+            <a:solidFill>
+              <a:srgbClr val="FF0000"/>
+            </a:solidFill>
+          </a:ln>
+        </p:spPr>
+        <p:style>
+          <a:lnRef idx="2">
+            <a:schemeClr val="accent1">
+              <a:shade val="50000"/>
+            </a:schemeClr>
+          </a:lnRef>
+          <a:fillRef idx="1">
+            <a:schemeClr val="accent1"/>
+          </a:fillRef>
+          <a:effectRef idx="0">
+            <a:schemeClr val="accent1"/>
+          </a:effectRef>
+          <a:fontRef idx="minor">
+            <a:schemeClr val="lt1"/>
+          </a:fontRef>
+        </p:style>
+        <p:txBody>
+          <a:bodyPr rtlCol="0" anchor="ctr"/>
+          <a:lstStyle/>
+          <a:p>
+            <a:pPr algn="ctr"/>
+            <a:endParaRPr lang="it-IT"/>
+          </a:p>
+        </p:txBody>
+      </p:sp>
+      <p:sp>
+        <p:nvSpPr>
+          <p:cNvPr id="15" name="Ovale 14">
+            <a:extLst>
+              <a:ext uri="{FF2B5EF4-FFF2-40B4-BE49-F238E27FC236}">
+                <a16:creationId xmlns:a16="http://schemas.microsoft.com/office/drawing/2014/main" id="{DDE69739-0CA9-4A76-B1B4-0D3FC22E3353}"/>
+              </a:ext>
+            </a:extLst>
+          </p:cNvPr>
+          <p:cNvSpPr/>
+          <p:nvPr/>
+        </p:nvSpPr>
+        <p:spPr>
+          <a:xfrm>
+            <a:off x="5091221" y="5202782"/>
+            <a:ext cx="1255654" cy="1214870"/>
+          </a:xfrm>
+          <a:prstGeom prst="ellipse">
+            <a:avLst/>
+          </a:prstGeom>
+          <a:noFill/>
+          <a:ln w="76200">
+            <a:solidFill>
+              <a:srgbClr val="FF0000"/>
+            </a:solidFill>
+          </a:ln>
+        </p:spPr>
+        <p:style>
+          <a:lnRef idx="2">
+            <a:schemeClr val="accent1">
+              <a:shade val="50000"/>
+            </a:schemeClr>
+          </a:lnRef>
+          <a:fillRef idx="1">
+            <a:schemeClr val="accent1"/>
+          </a:fillRef>
+          <a:effectRef idx="0">
+            <a:schemeClr val="accent1"/>
+          </a:effectRef>
+          <a:fontRef idx="minor">
+            <a:schemeClr val="lt1"/>
+          </a:fontRef>
+        </p:style>
+        <p:txBody>
+          <a:bodyPr rtlCol="0" anchor="ctr"/>
+          <a:lstStyle/>
+          <a:p>
+            <a:pPr algn="ctr"/>
+            <a:endParaRPr lang="it-IT"/>
+          </a:p>
+        </p:txBody>
+      </p:sp>
+      <p:sp>
+        <p:nvSpPr>
+          <p:cNvPr id="16" name="Ovale 15">
+            <a:extLst>
+              <a:ext uri="{FF2B5EF4-FFF2-40B4-BE49-F238E27FC236}">
+                <a16:creationId xmlns:a16="http://schemas.microsoft.com/office/drawing/2014/main" id="{AB6426FC-5D53-423A-B7DF-64ED82DEDEBE}"/>
+              </a:ext>
+            </a:extLst>
+          </p:cNvPr>
+          <p:cNvSpPr/>
+          <p:nvPr/>
+        </p:nvSpPr>
+        <p:spPr>
+          <a:xfrm>
+            <a:off x="7310440" y="4009298"/>
+            <a:ext cx="1193484" cy="1193484"/>
+          </a:xfrm>
+          <a:prstGeom prst="ellipse">
+            <a:avLst/>
+          </a:prstGeom>
+          <a:noFill/>
+          <a:ln w="76200">
+            <a:solidFill>
+              <a:srgbClr val="FF0000"/>
+            </a:solidFill>
+          </a:ln>
+        </p:spPr>
+        <p:style>
+          <a:lnRef idx="2">
+            <a:schemeClr val="accent1">
+              <a:shade val="50000"/>
+            </a:schemeClr>
+          </a:lnRef>
+          <a:fillRef idx="1">
+            <a:schemeClr val="accent1"/>
+          </a:fillRef>
+          <a:effectRef idx="0">
+            <a:schemeClr val="accent1"/>
+          </a:effectRef>
+          <a:fontRef idx="minor">
+            <a:schemeClr val="lt1"/>
+          </a:fontRef>
+        </p:style>
+        <p:txBody>
+          <a:bodyPr rtlCol="0" anchor="ctr"/>
+          <a:lstStyle/>
+          <a:p>
+            <a:pPr algn="ctr"/>
+            <a:endParaRPr lang="it-IT"/>
           </a:p>
         </p:txBody>
       </p:sp>
@@ -11170,6 +11446,41 @@
           </a:p>
         </p:txBody>
       </p:sp>
+      <p:pic>
+        <p:nvPicPr>
+          <p:cNvPr id="4" name="Immagine 3">
+            <a:extLst>
+              <a:ext uri="{FF2B5EF4-FFF2-40B4-BE49-F238E27FC236}">
+                <a16:creationId xmlns:a16="http://schemas.microsoft.com/office/drawing/2014/main" id="{4F8EC07D-7B60-49D8-AF31-709D1FFA9DE0}"/>
+              </a:ext>
+            </a:extLst>
+          </p:cNvPr>
+          <p:cNvPicPr>
+            <a:picLocks noChangeAspect="1"/>
+          </p:cNvPicPr>
+          <p:nvPr/>
+        </p:nvPicPr>
+        <p:blipFill rotWithShape="1">
+          <a:blip r:embed="rId2">
+            <a:extLst>
+              <a:ext uri="{28A0092B-C50C-407E-A947-70E740481C1C}">
+                <a14:useLocalDpi xmlns:a14="http://schemas.microsoft.com/office/drawing/2010/main" val="0"/>
+              </a:ext>
+            </a:extLst>
+          </a:blip>
+          <a:srcRect t="6328"/>
+          <a:stretch/>
+        </p:blipFill>
+        <p:spPr>
+          <a:xfrm>
+            <a:off x="799679" y="1270000"/>
+            <a:ext cx="10125282" cy="5478722"/>
+          </a:xfrm>
+          <a:prstGeom prst="rect">
+            <a:avLst/>
+          </a:prstGeom>
+        </p:spPr>
+      </p:pic>
     </p:spTree>
     <p:extLst>
       <p:ext uri="{BB962C8B-B14F-4D97-AF65-F5344CB8AC3E}">
@@ -11223,16 +11534,51 @@
           <a:p>
             <a:r>
               <a:rPr lang="en-US" dirty="0"/>
-              <a:t>Results: testing on bad data</a:t>
+              <a:t>Results: plastic rod</a:t>
             </a:r>
             <a:endParaRPr lang="it-IT" dirty="0"/>
           </a:p>
         </p:txBody>
       </p:sp>
+      <p:pic>
+        <p:nvPicPr>
+          <p:cNvPr id="8" name="Immagine 7">
+            <a:extLst>
+              <a:ext uri="{FF2B5EF4-FFF2-40B4-BE49-F238E27FC236}">
+                <a16:creationId xmlns:a16="http://schemas.microsoft.com/office/drawing/2014/main" id="{5D956A86-8623-4E04-9987-BD85618D37AC}"/>
+              </a:ext>
+            </a:extLst>
+          </p:cNvPr>
+          <p:cNvPicPr>
+            <a:picLocks noChangeAspect="1"/>
+          </p:cNvPicPr>
+          <p:nvPr/>
+        </p:nvPicPr>
+        <p:blipFill rotWithShape="1">
+          <a:blip r:embed="rId2">
+            <a:extLst>
+              <a:ext uri="{28A0092B-C50C-407E-A947-70E740481C1C}">
+                <a14:useLocalDpi xmlns:a14="http://schemas.microsoft.com/office/drawing/2010/main" val="0"/>
+              </a:ext>
+            </a:extLst>
+          </a:blip>
+          <a:srcRect t="6608"/>
+          <a:stretch/>
+        </p:blipFill>
+        <p:spPr>
+          <a:xfrm>
+            <a:off x="1270000" y="1280698"/>
+            <a:ext cx="9652000" cy="5433266"/>
+          </a:xfrm>
+          <a:prstGeom prst="rect">
+            <a:avLst/>
+          </a:prstGeom>
+        </p:spPr>
+      </p:pic>
     </p:spTree>
     <p:extLst>
       <p:ext uri="{BB962C8B-B14F-4D97-AF65-F5344CB8AC3E}">
-        <p14:creationId xmlns:p14="http://schemas.microsoft.com/office/powerpoint/2010/main" val="2637946196"/>
+        <p14:creationId xmlns:p14="http://schemas.microsoft.com/office/powerpoint/2010/main" val="2699684128"/>
       </p:ext>
     </p:extLst>
   </p:cSld>
@@ -11282,16 +11628,51 @@
           <a:p>
             <a:r>
               <a:rPr lang="en-US" dirty="0"/>
-              <a:t>Results: testing on bad data</a:t>
+              <a:t>Results: taped blade</a:t>
             </a:r>
             <a:endParaRPr lang="it-IT" dirty="0"/>
           </a:p>
         </p:txBody>
       </p:sp>
+      <p:pic>
+        <p:nvPicPr>
+          <p:cNvPr id="4" name="Immagine 3">
+            <a:extLst>
+              <a:ext uri="{FF2B5EF4-FFF2-40B4-BE49-F238E27FC236}">
+                <a16:creationId xmlns:a16="http://schemas.microsoft.com/office/drawing/2014/main" id="{ED9C7496-4920-4077-8921-9E41908546DB}"/>
+              </a:ext>
+            </a:extLst>
+          </p:cNvPr>
+          <p:cNvPicPr>
+            <a:picLocks noChangeAspect="1"/>
+          </p:cNvPicPr>
+          <p:nvPr/>
+        </p:nvPicPr>
+        <p:blipFill rotWithShape="1">
+          <a:blip r:embed="rId2">
+            <a:extLst>
+              <a:ext uri="{28A0092B-C50C-407E-A947-70E740481C1C}">
+                <a14:useLocalDpi xmlns:a14="http://schemas.microsoft.com/office/drawing/2010/main" val="0"/>
+              </a:ext>
+            </a:extLst>
+          </a:blip>
+          <a:srcRect t="7479"/>
+          <a:stretch/>
+        </p:blipFill>
+        <p:spPr>
+          <a:xfrm>
+            <a:off x="1340221" y="1200760"/>
+            <a:ext cx="8596259" cy="5487694"/>
+          </a:xfrm>
+          <a:prstGeom prst="rect">
+            <a:avLst/>
+          </a:prstGeom>
+        </p:spPr>
+      </p:pic>
     </p:spTree>
     <p:extLst>
       <p:ext uri="{BB962C8B-B14F-4D97-AF65-F5344CB8AC3E}">
-        <p14:creationId xmlns:p14="http://schemas.microsoft.com/office/powerpoint/2010/main" val="2699684128"/>
+        <p14:creationId xmlns:p14="http://schemas.microsoft.com/office/powerpoint/2010/main" val="4244982528"/>
       </p:ext>
     </p:extLst>
   </p:cSld>
@@ -11323,6 +11704,100 @@
           <p:cNvPr id="2" name="Titolo 1">
             <a:extLst>
               <a:ext uri="{FF2B5EF4-FFF2-40B4-BE49-F238E27FC236}">
+                <a16:creationId xmlns:a16="http://schemas.microsoft.com/office/drawing/2014/main" id="{928E3387-5766-4BDA-B7ED-8A54706F5132}"/>
+              </a:ext>
+            </a:extLst>
+          </p:cNvPr>
+          <p:cNvSpPr>
+            <a:spLocks noGrp="1"/>
+          </p:cNvSpPr>
+          <p:nvPr>
+            <p:ph type="title"/>
+          </p:nvPr>
+        </p:nvSpPr>
+        <p:spPr/>
+        <p:txBody>
+          <a:bodyPr/>
+          <a:lstStyle/>
+          <a:p>
+            <a:r>
+              <a:rPr lang="en-US" dirty="0"/>
+              <a:t>Results: magnet taped on blade</a:t>
+            </a:r>
+            <a:endParaRPr lang="it-IT" dirty="0"/>
+          </a:p>
+        </p:txBody>
+      </p:sp>
+      <p:pic>
+        <p:nvPicPr>
+          <p:cNvPr id="4" name="Immagine 3">
+            <a:extLst>
+              <a:ext uri="{FF2B5EF4-FFF2-40B4-BE49-F238E27FC236}">
+                <a16:creationId xmlns:a16="http://schemas.microsoft.com/office/drawing/2014/main" id="{68BD4D24-0473-41C2-AC72-D94272D52A78}"/>
+              </a:ext>
+            </a:extLst>
+          </p:cNvPr>
+          <p:cNvPicPr>
+            <a:picLocks noChangeAspect="1"/>
+          </p:cNvPicPr>
+          <p:nvPr/>
+        </p:nvPicPr>
+        <p:blipFill rotWithShape="1">
+          <a:blip r:embed="rId2">
+            <a:extLst>
+              <a:ext uri="{28A0092B-C50C-407E-A947-70E740481C1C}">
+                <a14:useLocalDpi xmlns:a14="http://schemas.microsoft.com/office/drawing/2010/main" val="0"/>
+              </a:ext>
+            </a:extLst>
+          </a:blip>
+          <a:srcRect t="6393"/>
+          <a:stretch/>
+        </p:blipFill>
+        <p:spPr>
+          <a:xfrm>
+            <a:off x="1457917" y="1152983"/>
+            <a:ext cx="8768166" cy="5436552"/>
+          </a:xfrm>
+          <a:prstGeom prst="rect">
+            <a:avLst/>
+          </a:prstGeom>
+        </p:spPr>
+      </p:pic>
+    </p:spTree>
+    <p:extLst>
+      <p:ext uri="{BB962C8B-B14F-4D97-AF65-F5344CB8AC3E}">
+        <p14:creationId xmlns:p14="http://schemas.microsoft.com/office/powerpoint/2010/main" val="2637946196"/>
+      </p:ext>
+    </p:extLst>
+  </p:cSld>
+  <p:clrMapOvr>
+    <a:masterClrMapping/>
+  </p:clrMapOvr>
+</p:sld>
+</file>
+
+<file path=ppt/slides/slide17.xml><?xml version="1.0" encoding="utf-8"?>
+<p:sld xmlns:a="http://schemas.openxmlformats.org/drawingml/2006/main" xmlns:r="http://schemas.openxmlformats.org/officeDocument/2006/relationships" xmlns:p="http://schemas.openxmlformats.org/presentationml/2006/main">
+  <p:cSld>
+    <p:spTree>
+      <p:nvGrpSpPr>
+        <p:cNvPr id="1" name=""/>
+        <p:cNvGrpSpPr/>
+        <p:nvPr/>
+      </p:nvGrpSpPr>
+      <p:grpSpPr>
+        <a:xfrm>
+          <a:off x="0" y="0"/>
+          <a:ext cx="0" cy="0"/>
+          <a:chOff x="0" y="0"/>
+          <a:chExt cx="0" cy="0"/>
+        </a:xfrm>
+      </p:grpSpPr>
+      <p:sp>
+        <p:nvSpPr>
+          <p:cNvPr id="2" name="Titolo 1">
+            <a:extLst>
+              <a:ext uri="{FF2B5EF4-FFF2-40B4-BE49-F238E27FC236}">
                 <a16:creationId xmlns:a16="http://schemas.microsoft.com/office/drawing/2014/main" id="{C1C5D2AE-8DC8-43CD-A8D8-E6B6E279460A}"/>
               </a:ext>
             </a:extLst>
@@ -11373,7 +11848,7 @@
             </a:pPr>
             <a:r>
               <a:rPr lang="en-US" sz="3000" dirty="0"/>
-              <a:t>Future iterations could provide online data sensing and collection </a:t>
+              <a:t>Future iterations could provide online data sensing and collection. </a:t>
             </a:r>
             <a:r>
               <a:rPr lang="en-US" sz="2800" dirty="0"/>
@@ -11384,18 +11859,22 @@
             <a:pPr lvl="1" algn="just"/>
             <a:r>
               <a:rPr lang="en-US" sz="2400" dirty="0"/>
-              <a:t>energy efficiency (harvesting?)</a:t>
+              <a:t>Online data collection</a:t>
             </a:r>
           </a:p>
           <a:p>
             <a:pPr lvl="1" algn="just"/>
             <a:r>
               <a:rPr lang="en-US" sz="2400" dirty="0"/>
-              <a:t>drift (adaptivity)</a:t>
-            </a:r>
-          </a:p>
-          <a:p>
-            <a:endParaRPr lang="it-IT" dirty="0"/>
+              <a:t>Energy efficiency (harvesting?)</a:t>
+            </a:r>
+          </a:p>
+          <a:p>
+            <a:pPr lvl="1" algn="just"/>
+            <a:r>
+              <a:rPr lang="en-US" sz="2400" dirty="0"/>
+              <a:t>Drift (adaptivity)</a:t>
+            </a:r>
           </a:p>
         </p:txBody>
       </p:sp>
@@ -13742,7 +14221,7 @@
           <a:p>
             <a:pPr lvl="2" algn="just"/>
             <a:r>
-              <a:rPr lang="en-US" sz="2200" dirty="0"/>
+              <a:rPr lang="en-US" sz="2000" dirty="0"/>
               <a:t>Magnetic field</a:t>
             </a:r>
           </a:p>
@@ -13750,7 +14229,7 @@
             <a:pPr lvl="1" algn="just"/>
             <a:r>
               <a:rPr lang="en-US" sz="2400" dirty="0"/>
-              <a:t>Model identification on the working fan data and comparison with disturbed data</a:t>
+              <a:t>Model identification on the working fan data and performance verification on disturbed data</a:t>
             </a:r>
           </a:p>
         </p:txBody>
